--- a/ML_Project.pptx
+++ b/ML_Project.pptx
@@ -6,10 +6,10 @@
     <p:sldMasterId id="2147483691" r:id="rId5"/>
   </p:sldMasterIdLst>
   <p:notesMasterIdLst>
-    <p:notesMasterId r:id="rId21"/>
+    <p:notesMasterId r:id="rId22"/>
   </p:notesMasterIdLst>
   <p:handoutMasterIdLst>
-    <p:handoutMasterId r:id="rId22"/>
+    <p:handoutMasterId r:id="rId23"/>
   </p:handoutMasterIdLst>
   <p:sldIdLst>
     <p:sldId id="286" r:id="rId6"/>
@@ -24,9 +24,10 @@
     <p:sldId id="299" r:id="rId15"/>
     <p:sldId id="294" r:id="rId16"/>
     <p:sldId id="295" r:id="rId17"/>
-    <p:sldId id="287" r:id="rId18"/>
-    <p:sldId id="285" r:id="rId19"/>
-    <p:sldId id="293" r:id="rId20"/>
+    <p:sldId id="300" r:id="rId18"/>
+    <p:sldId id="287" r:id="rId19"/>
+    <p:sldId id="285" r:id="rId20"/>
+    <p:sldId id="293" r:id="rId21"/>
   </p:sldIdLst>
   <p:sldSz cx="12192000" cy="6858000"/>
   <p:notesSz cx="6858000" cy="9144000"/>
@@ -12721,6 +12722,7 @@
           <a:bodyPr/>
           <a:lstStyle/>
           <a:p>
+            <a:pPr algn="ctr"/>
             <a:r>
               <a:rPr lang="es-ES" dirty="0" err="1"/>
               <a:t>Gradient</a:t>
@@ -12733,36 +12735,6 @@
               <a:rPr lang="es-ES" dirty="0" err="1"/>
               <a:t>Boost</a:t>
             </a:r>
-            <a:endParaRPr lang="es-ES" dirty="0"/>
-          </a:p>
-        </p:txBody>
-      </p:sp>
-      <p:sp>
-        <p:nvSpPr>
-          <p:cNvPr id="7" name="Marcador de texto 6">
-            <a:extLst>
-              <a:ext uri="{FF2B5EF4-FFF2-40B4-BE49-F238E27FC236}">
-                <a16:creationId xmlns:a16="http://schemas.microsoft.com/office/drawing/2014/main" id="{D5983236-3316-43E9-97A2-32525EA2AC3F}"/>
-              </a:ext>
-            </a:extLst>
-          </p:cNvPr>
-          <p:cNvSpPr>
-            <a:spLocks noGrp="1"/>
-          </p:cNvSpPr>
-          <p:nvPr>
-            <p:ph type="body" sz="quarter" idx="15"/>
-          </p:nvPr>
-        </p:nvSpPr>
-        <p:spPr>
-          <a:xfrm>
-            <a:off x="646110" y="2477950"/>
-            <a:ext cx="5449888" cy="4081469"/>
-          </a:xfrm>
-        </p:spPr>
-        <p:txBody>
-          <a:bodyPr/>
-          <a:lstStyle/>
-          <a:p>
             <a:endParaRPr lang="es-ES" dirty="0"/>
           </a:p>
         </p:txBody>
@@ -12793,40 +12765,11 @@
           <a:bodyPr/>
           <a:lstStyle/>
           <a:p>
+            <a:pPr algn="ctr"/>
             <a:r>
               <a:rPr lang="es-ES" dirty="0"/>
               <a:t>Red Neuronal</a:t>
             </a:r>
-          </a:p>
-        </p:txBody>
-      </p:sp>
-      <p:sp>
-        <p:nvSpPr>
-          <p:cNvPr id="9" name="Marcador de texto 8">
-            <a:extLst>
-              <a:ext uri="{FF2B5EF4-FFF2-40B4-BE49-F238E27FC236}">
-                <a16:creationId xmlns:a16="http://schemas.microsoft.com/office/drawing/2014/main" id="{30548AF2-8C09-4650-8F60-2BF5F693CC2D}"/>
-              </a:ext>
-            </a:extLst>
-          </p:cNvPr>
-          <p:cNvSpPr>
-            <a:spLocks noGrp="1"/>
-          </p:cNvSpPr>
-          <p:nvPr>
-            <p:ph type="body" sz="quarter" idx="17"/>
-          </p:nvPr>
-        </p:nvSpPr>
-        <p:spPr>
-          <a:xfrm>
-            <a:off x="6207143" y="2477951"/>
-            <a:ext cx="5338744" cy="4081468"/>
-          </a:xfrm>
-        </p:spPr>
-        <p:txBody>
-          <a:bodyPr/>
-          <a:lstStyle/>
-          <a:p>
-            <a:endParaRPr lang="es-ES" dirty="0"/>
           </a:p>
         </p:txBody>
       </p:sp>
@@ -12858,6 +12801,66 @@
           </a:p>
         </p:txBody>
       </p:sp>
+      <p:pic>
+        <p:nvPicPr>
+          <p:cNvPr id="3" name="Imagen 2" descr="Gráfico&#10;&#10;Descripción generada automáticamente">
+            <a:extLst>
+              <a:ext uri="{FF2B5EF4-FFF2-40B4-BE49-F238E27FC236}">
+                <a16:creationId xmlns:a16="http://schemas.microsoft.com/office/drawing/2014/main" id="{2A7CCB70-E33C-472D-8AAB-47600B496088}"/>
+              </a:ext>
+            </a:extLst>
+          </p:cNvPr>
+          <p:cNvPicPr>
+            <a:picLocks noChangeAspect="1"/>
+          </p:cNvPicPr>
+          <p:nvPr/>
+        </p:nvPicPr>
+        <p:blipFill>
+          <a:blip r:embed="rId2"/>
+          <a:stretch>
+            <a:fillRect/>
+          </a:stretch>
+        </p:blipFill>
+        <p:spPr>
+          <a:xfrm>
+            <a:off x="817293" y="2741839"/>
+            <a:ext cx="4286250" cy="3333750"/>
+          </a:xfrm>
+          <a:prstGeom prst="rect">
+            <a:avLst/>
+          </a:prstGeom>
+        </p:spPr>
+      </p:pic>
+      <p:pic>
+        <p:nvPicPr>
+          <p:cNvPr id="5" name="Imagen 4" descr="Diagrama&#10;&#10;Descripción generada automáticamente">
+            <a:extLst>
+              <a:ext uri="{FF2B5EF4-FFF2-40B4-BE49-F238E27FC236}">
+                <a16:creationId xmlns:a16="http://schemas.microsoft.com/office/drawing/2014/main" id="{51163A60-D5DE-40D5-96BC-1877C890636F}"/>
+              </a:ext>
+            </a:extLst>
+          </p:cNvPr>
+          <p:cNvPicPr>
+            <a:picLocks noChangeAspect="1"/>
+          </p:cNvPicPr>
+          <p:nvPr/>
+        </p:nvPicPr>
+        <p:blipFill>
+          <a:blip r:embed="rId3"/>
+          <a:stretch>
+            <a:fillRect/>
+          </a:stretch>
+        </p:blipFill>
+        <p:spPr>
+          <a:xfrm>
+            <a:off x="6244288" y="2730179"/>
+            <a:ext cx="4736678" cy="3345410"/>
+          </a:xfrm>
+          <a:prstGeom prst="rect">
+            <a:avLst/>
+          </a:prstGeom>
+        </p:spPr>
+      </p:pic>
     </p:spTree>
     <p:extLst>
       <p:ext uri="{BB962C8B-B14F-4D97-AF65-F5344CB8AC3E}">
@@ -12868,6 +12871,228 @@
   <p:clrMapOvr>
     <a:masterClrMapping/>
   </p:clrMapOvr>
+  <p:timing>
+    <p:tnLst>
+      <p:par>
+        <p:cTn id="1" dur="indefinite" restart="never" nodeType="tmRoot">
+          <p:childTnLst>
+            <p:seq concurrent="1" nextAc="seek">
+              <p:cTn id="2" dur="indefinite" nodeType="mainSeq">
+                <p:childTnLst>
+                  <p:par>
+                    <p:cTn id="3" fill="hold">
+                      <p:stCondLst>
+                        <p:cond delay="indefinite"/>
+                      </p:stCondLst>
+                      <p:childTnLst>
+                        <p:par>
+                          <p:cTn id="4" fill="hold">
+                            <p:stCondLst>
+                              <p:cond delay="0"/>
+                            </p:stCondLst>
+                            <p:childTnLst>
+                              <p:par>
+                                <p:cTn id="5" presetID="1" presetClass="entr" presetSubtype="0" fill="hold" grpId="0" nodeType="clickEffect">
+                                  <p:stCondLst>
+                                    <p:cond delay="0"/>
+                                  </p:stCondLst>
+                                  <p:childTnLst>
+                                    <p:set>
+                                      <p:cBhvr>
+                                        <p:cTn id="6" dur="1" fill="hold">
+                                          <p:stCondLst>
+                                            <p:cond delay="0"/>
+                                          </p:stCondLst>
+                                        </p:cTn>
+                                        <p:tgtEl>
+                                          <p:spTgt spid="6">
+                                            <p:txEl>
+                                              <p:pRg st="0" end="0"/>
+                                            </p:txEl>
+                                          </p:spTgt>
+                                        </p:tgtEl>
+                                        <p:attrNameLst>
+                                          <p:attrName>style.visibility</p:attrName>
+                                        </p:attrNameLst>
+                                      </p:cBhvr>
+                                      <p:to>
+                                        <p:strVal val="visible"/>
+                                      </p:to>
+                                    </p:set>
+                                  </p:childTnLst>
+                                </p:cTn>
+                              </p:par>
+                            </p:childTnLst>
+                          </p:cTn>
+                        </p:par>
+                      </p:childTnLst>
+                    </p:cTn>
+                  </p:par>
+                  <p:par>
+                    <p:cTn id="7" fill="hold">
+                      <p:stCondLst>
+                        <p:cond delay="indefinite"/>
+                      </p:stCondLst>
+                      <p:childTnLst>
+                        <p:par>
+                          <p:cTn id="8" fill="hold">
+                            <p:stCondLst>
+                              <p:cond delay="0"/>
+                            </p:stCondLst>
+                            <p:childTnLst>
+                              <p:par>
+                                <p:cTn id="9" presetID="1" presetClass="entr" presetSubtype="0" fill="hold" nodeType="clickEffect">
+                                  <p:stCondLst>
+                                    <p:cond delay="0"/>
+                                  </p:stCondLst>
+                                  <p:childTnLst>
+                                    <p:set>
+                                      <p:cBhvr>
+                                        <p:cTn id="10" dur="1" fill="hold">
+                                          <p:stCondLst>
+                                            <p:cond delay="0"/>
+                                          </p:stCondLst>
+                                        </p:cTn>
+                                        <p:tgtEl>
+                                          <p:spTgt spid="3"/>
+                                        </p:tgtEl>
+                                        <p:attrNameLst>
+                                          <p:attrName>style.visibility</p:attrName>
+                                        </p:attrNameLst>
+                                      </p:cBhvr>
+                                      <p:to>
+                                        <p:strVal val="visible"/>
+                                      </p:to>
+                                    </p:set>
+                                  </p:childTnLst>
+                                </p:cTn>
+                              </p:par>
+                            </p:childTnLst>
+                          </p:cTn>
+                        </p:par>
+                      </p:childTnLst>
+                    </p:cTn>
+                  </p:par>
+                  <p:par>
+                    <p:cTn id="11" fill="hold">
+                      <p:stCondLst>
+                        <p:cond delay="indefinite"/>
+                      </p:stCondLst>
+                      <p:childTnLst>
+                        <p:par>
+                          <p:cTn id="12" fill="hold">
+                            <p:stCondLst>
+                              <p:cond delay="0"/>
+                            </p:stCondLst>
+                            <p:childTnLst>
+                              <p:par>
+                                <p:cTn id="13" presetID="1" presetClass="entr" presetSubtype="0" fill="hold" grpId="0" nodeType="clickEffect">
+                                  <p:stCondLst>
+                                    <p:cond delay="0"/>
+                                  </p:stCondLst>
+                                  <p:childTnLst>
+                                    <p:set>
+                                      <p:cBhvr>
+                                        <p:cTn id="14" dur="1" fill="hold">
+                                          <p:stCondLst>
+                                            <p:cond delay="0"/>
+                                          </p:stCondLst>
+                                        </p:cTn>
+                                        <p:tgtEl>
+                                          <p:spTgt spid="8">
+                                            <p:txEl>
+                                              <p:pRg st="0" end="0"/>
+                                            </p:txEl>
+                                          </p:spTgt>
+                                        </p:tgtEl>
+                                        <p:attrNameLst>
+                                          <p:attrName>style.visibility</p:attrName>
+                                        </p:attrNameLst>
+                                      </p:cBhvr>
+                                      <p:to>
+                                        <p:strVal val="visible"/>
+                                      </p:to>
+                                    </p:set>
+                                  </p:childTnLst>
+                                </p:cTn>
+                              </p:par>
+                            </p:childTnLst>
+                          </p:cTn>
+                        </p:par>
+                      </p:childTnLst>
+                    </p:cTn>
+                  </p:par>
+                  <p:par>
+                    <p:cTn id="15" fill="hold">
+                      <p:stCondLst>
+                        <p:cond delay="indefinite"/>
+                      </p:stCondLst>
+                      <p:childTnLst>
+                        <p:par>
+                          <p:cTn id="16" fill="hold">
+                            <p:stCondLst>
+                              <p:cond delay="0"/>
+                            </p:stCondLst>
+                            <p:childTnLst>
+                              <p:par>
+                                <p:cTn id="17" presetID="1" presetClass="entr" presetSubtype="0" fill="hold" nodeType="clickEffect">
+                                  <p:stCondLst>
+                                    <p:cond delay="0"/>
+                                  </p:stCondLst>
+                                  <p:childTnLst>
+                                    <p:set>
+                                      <p:cBhvr>
+                                        <p:cTn id="18" dur="1" fill="hold">
+                                          <p:stCondLst>
+                                            <p:cond delay="0"/>
+                                          </p:stCondLst>
+                                        </p:cTn>
+                                        <p:tgtEl>
+                                          <p:spTgt spid="5"/>
+                                        </p:tgtEl>
+                                        <p:attrNameLst>
+                                          <p:attrName>style.visibility</p:attrName>
+                                        </p:attrNameLst>
+                                      </p:cBhvr>
+                                      <p:to>
+                                        <p:strVal val="visible"/>
+                                      </p:to>
+                                    </p:set>
+                                  </p:childTnLst>
+                                </p:cTn>
+                              </p:par>
+                            </p:childTnLst>
+                          </p:cTn>
+                        </p:par>
+                      </p:childTnLst>
+                    </p:cTn>
+                  </p:par>
+                </p:childTnLst>
+              </p:cTn>
+              <p:prevCondLst>
+                <p:cond evt="onPrev" delay="0">
+                  <p:tgtEl>
+                    <p:sldTgt/>
+                  </p:tgtEl>
+                </p:cond>
+              </p:prevCondLst>
+              <p:nextCondLst>
+                <p:cond evt="onNext" delay="0">
+                  <p:tgtEl>
+                    <p:sldTgt/>
+                  </p:tgtEl>
+                </p:cond>
+              </p:nextCondLst>
+            </p:seq>
+          </p:childTnLst>
+        </p:cTn>
+      </p:par>
+    </p:tnLst>
+    <p:bldLst>
+      <p:bldP spid="6" grpId="0" build="p"/>
+      <p:bldP spid="8" grpId="0" build="p"/>
+    </p:bldLst>
+  </p:timing>
 </p:sld>
 </file>
 
@@ -14216,7 +14441,7 @@
           <p:cNvPr id="2" name="Título 1">
             <a:extLst>
               <a:ext uri="{FF2B5EF4-FFF2-40B4-BE49-F238E27FC236}">
-                <a16:creationId xmlns:a16="http://schemas.microsoft.com/office/drawing/2014/main" id="{2B837A76-9495-4084-936B-33F512F8608A}"/>
+                <a16:creationId xmlns:a16="http://schemas.microsoft.com/office/drawing/2014/main" id="{471ADFE5-5B71-4A1D-9DF4-98346CCE1ACE}"/>
               </a:ext>
             </a:extLst>
           </p:cNvPr>
@@ -14234,46 +14459,585 @@
           <a:p>
             <a:r>
               <a:rPr lang="es-ES" dirty="0"/>
-              <a:t>Conclusiones</a:t>
-            </a:r>
-          </a:p>
-        </p:txBody>
-      </p:sp>
-      <p:sp>
-        <p:nvSpPr>
-          <p:cNvPr id="3" name="Marcador de texto 2">
+              <a:t>Resultados</a:t>
+            </a:r>
+          </a:p>
+        </p:txBody>
+      </p:sp>
+      <p:pic>
+        <p:nvPicPr>
+          <p:cNvPr id="4" name="Imagen 3" descr="Gráfico, Histograma&#10;&#10;Descripción generada automáticamente">
             <a:extLst>
               <a:ext uri="{FF2B5EF4-FFF2-40B4-BE49-F238E27FC236}">
-                <a16:creationId xmlns:a16="http://schemas.microsoft.com/office/drawing/2014/main" id="{0758C744-FF3C-4F8D-90A8-A6B22B800CA0}"/>
+                <a16:creationId xmlns:a16="http://schemas.microsoft.com/office/drawing/2014/main" id="{33D1171D-D321-4F3D-B841-7345812D0382}"/>
               </a:ext>
             </a:extLst>
           </p:cNvPr>
-          <p:cNvSpPr>
-            <a:spLocks noGrp="1"/>
-          </p:cNvSpPr>
-          <p:nvPr>
-            <p:ph type="body" idx="1"/>
-          </p:nvPr>
-        </p:nvSpPr>
-        <p:spPr/>
-        <p:txBody>
-          <a:bodyPr/>
-          <a:lstStyle/>
-          <a:p>
-            <a:endParaRPr lang="es-ES"/>
-          </a:p>
-        </p:txBody>
-      </p:sp>
+          <p:cNvPicPr>
+            <a:picLocks noChangeAspect="1"/>
+          </p:cNvPicPr>
+          <p:nvPr/>
+        </p:nvPicPr>
+        <p:blipFill>
+          <a:blip r:embed="rId2"/>
+          <a:stretch>
+            <a:fillRect/>
+          </a:stretch>
+        </p:blipFill>
+        <p:spPr>
+          <a:xfrm>
+            <a:off x="4142792" y="104424"/>
+            <a:ext cx="3965510" cy="2918694"/>
+          </a:xfrm>
+          <a:prstGeom prst="rect">
+            <a:avLst/>
+          </a:prstGeom>
+        </p:spPr>
+      </p:pic>
+      <p:pic>
+        <p:nvPicPr>
+          <p:cNvPr id="6" name="Imagen 5" descr="Gráfico, Histograma&#10;&#10;Descripción generada automáticamente">
+            <a:extLst>
+              <a:ext uri="{FF2B5EF4-FFF2-40B4-BE49-F238E27FC236}">
+                <a16:creationId xmlns:a16="http://schemas.microsoft.com/office/drawing/2014/main" id="{5A19A390-37DF-48F2-B2B4-85F7058B0D0A}"/>
+              </a:ext>
+            </a:extLst>
+          </p:cNvPr>
+          <p:cNvPicPr>
+            <a:picLocks noChangeAspect="1"/>
+          </p:cNvPicPr>
+          <p:nvPr/>
+        </p:nvPicPr>
+        <p:blipFill>
+          <a:blip r:embed="rId3"/>
+          <a:stretch>
+            <a:fillRect/>
+          </a:stretch>
+        </p:blipFill>
+        <p:spPr>
+          <a:xfrm>
+            <a:off x="2324521" y="3926264"/>
+            <a:ext cx="3425951" cy="2497910"/>
+          </a:xfrm>
+          <a:prstGeom prst="rect">
+            <a:avLst/>
+          </a:prstGeom>
+        </p:spPr>
+      </p:pic>
+      <p:pic>
+        <p:nvPicPr>
+          <p:cNvPr id="8" name="Imagen 7" descr="Gráfico, Histograma&#10;&#10;Descripción generada automáticamente">
+            <a:extLst>
+              <a:ext uri="{FF2B5EF4-FFF2-40B4-BE49-F238E27FC236}">
+                <a16:creationId xmlns:a16="http://schemas.microsoft.com/office/drawing/2014/main" id="{B8BE5B87-2B9D-42C7-9660-99E45E4BE505}"/>
+              </a:ext>
+            </a:extLst>
+          </p:cNvPr>
+          <p:cNvPicPr>
+            <a:picLocks noChangeAspect="1"/>
+          </p:cNvPicPr>
+          <p:nvPr/>
+        </p:nvPicPr>
+        <p:blipFill>
+          <a:blip r:embed="rId4"/>
+          <a:stretch>
+            <a:fillRect/>
+          </a:stretch>
+        </p:blipFill>
+        <p:spPr>
+          <a:xfrm>
+            <a:off x="248726" y="1324646"/>
+            <a:ext cx="3138286" cy="2291191"/>
+          </a:xfrm>
+          <a:prstGeom prst="rect">
+            <a:avLst/>
+          </a:prstGeom>
+        </p:spPr>
+      </p:pic>
+      <p:pic>
+        <p:nvPicPr>
+          <p:cNvPr id="10" name="Imagen 9" descr="Gráfico, Histograma&#10;&#10;Descripción generada automáticamente">
+            <a:extLst>
+              <a:ext uri="{FF2B5EF4-FFF2-40B4-BE49-F238E27FC236}">
+                <a16:creationId xmlns:a16="http://schemas.microsoft.com/office/drawing/2014/main" id="{78697F0C-6267-4C1A-9555-77436C76BD33}"/>
+              </a:ext>
+            </a:extLst>
+          </p:cNvPr>
+          <p:cNvPicPr>
+            <a:picLocks noChangeAspect="1"/>
+          </p:cNvPicPr>
+          <p:nvPr/>
+        </p:nvPicPr>
+        <p:blipFill>
+          <a:blip r:embed="rId5"/>
+          <a:stretch>
+            <a:fillRect/>
+          </a:stretch>
+        </p:blipFill>
+        <p:spPr>
+          <a:xfrm>
+            <a:off x="6433621" y="3926264"/>
+            <a:ext cx="3557093" cy="2497909"/>
+          </a:xfrm>
+          <a:prstGeom prst="rect">
+            <a:avLst/>
+          </a:prstGeom>
+        </p:spPr>
+      </p:pic>
+      <p:pic>
+        <p:nvPicPr>
+          <p:cNvPr id="12" name="Imagen 11" descr="Gráfico, Gráfico de barras, Histograma&#10;&#10;Descripción generada automáticamente">
+            <a:extLst>
+              <a:ext uri="{FF2B5EF4-FFF2-40B4-BE49-F238E27FC236}">
+                <a16:creationId xmlns:a16="http://schemas.microsoft.com/office/drawing/2014/main" id="{EE2C889A-B43A-4A0C-AB6A-8D322D55CF6F}"/>
+              </a:ext>
+            </a:extLst>
+          </p:cNvPr>
+          <p:cNvPicPr>
+            <a:picLocks noChangeAspect="1"/>
+          </p:cNvPicPr>
+          <p:nvPr/>
+        </p:nvPicPr>
+        <p:blipFill>
+          <a:blip r:embed="rId6"/>
+          <a:stretch>
+            <a:fillRect/>
+          </a:stretch>
+        </p:blipFill>
+        <p:spPr>
+          <a:xfrm>
+            <a:off x="8542722" y="1361294"/>
+            <a:ext cx="3275492" cy="2291190"/>
+          </a:xfrm>
+          <a:prstGeom prst="rect">
+            <a:avLst/>
+          </a:prstGeom>
+        </p:spPr>
+      </p:pic>
     </p:spTree>
     <p:extLst>
       <p:ext uri="{BB962C8B-B14F-4D97-AF65-F5344CB8AC3E}">
-        <p14:creationId xmlns:p14="http://schemas.microsoft.com/office/powerpoint/2010/main" val="127290205"/>
+        <p14:creationId xmlns:p14="http://schemas.microsoft.com/office/powerpoint/2010/main" val="1678146740"/>
       </p:ext>
     </p:extLst>
   </p:cSld>
   <p:clrMapOvr>
     <a:masterClrMapping/>
   </p:clrMapOvr>
+  <p:timing>
+    <p:tnLst>
+      <p:par>
+        <p:cTn id="1" dur="indefinite" restart="never" nodeType="tmRoot">
+          <p:childTnLst>
+            <p:seq concurrent="1" nextAc="seek">
+              <p:cTn id="2" dur="indefinite" nodeType="mainSeq">
+                <p:childTnLst>
+                  <p:par>
+                    <p:cTn id="3" fill="hold">
+                      <p:stCondLst>
+                        <p:cond delay="indefinite"/>
+                      </p:stCondLst>
+                      <p:childTnLst>
+                        <p:par>
+                          <p:cTn id="4" fill="hold">
+                            <p:stCondLst>
+                              <p:cond delay="0"/>
+                            </p:stCondLst>
+                            <p:childTnLst>
+                              <p:par>
+                                <p:cTn id="5" presetID="1" presetClass="entr" presetSubtype="0" fill="hold" nodeType="clickEffect">
+                                  <p:stCondLst>
+                                    <p:cond delay="0"/>
+                                  </p:stCondLst>
+                                  <p:childTnLst>
+                                    <p:set>
+                                      <p:cBhvr>
+                                        <p:cTn id="6" dur="1" fill="hold">
+                                          <p:stCondLst>
+                                            <p:cond delay="0"/>
+                                          </p:stCondLst>
+                                        </p:cTn>
+                                        <p:tgtEl>
+                                          <p:spTgt spid="4"/>
+                                        </p:tgtEl>
+                                        <p:attrNameLst>
+                                          <p:attrName>style.visibility</p:attrName>
+                                        </p:attrNameLst>
+                                      </p:cBhvr>
+                                      <p:to>
+                                        <p:strVal val="visible"/>
+                                      </p:to>
+                                    </p:set>
+                                  </p:childTnLst>
+                                </p:cTn>
+                              </p:par>
+                            </p:childTnLst>
+                          </p:cTn>
+                        </p:par>
+                      </p:childTnLst>
+                    </p:cTn>
+                  </p:par>
+                  <p:par>
+                    <p:cTn id="7" fill="hold">
+                      <p:stCondLst>
+                        <p:cond delay="indefinite"/>
+                      </p:stCondLst>
+                      <p:childTnLst>
+                        <p:par>
+                          <p:cTn id="8" fill="hold">
+                            <p:stCondLst>
+                              <p:cond delay="0"/>
+                            </p:stCondLst>
+                            <p:childTnLst>
+                              <p:par>
+                                <p:cTn id="9" presetID="1" presetClass="entr" presetSubtype="0" fill="hold" nodeType="clickEffect">
+                                  <p:stCondLst>
+                                    <p:cond delay="0"/>
+                                  </p:stCondLst>
+                                  <p:childTnLst>
+                                    <p:set>
+                                      <p:cBhvr>
+                                        <p:cTn id="10" dur="1" fill="hold">
+                                          <p:stCondLst>
+                                            <p:cond delay="0"/>
+                                          </p:stCondLst>
+                                        </p:cTn>
+                                        <p:tgtEl>
+                                          <p:spTgt spid="8"/>
+                                        </p:tgtEl>
+                                        <p:attrNameLst>
+                                          <p:attrName>style.visibility</p:attrName>
+                                        </p:attrNameLst>
+                                      </p:cBhvr>
+                                      <p:to>
+                                        <p:strVal val="visible"/>
+                                      </p:to>
+                                    </p:set>
+                                  </p:childTnLst>
+                                </p:cTn>
+                              </p:par>
+                            </p:childTnLst>
+                          </p:cTn>
+                        </p:par>
+                      </p:childTnLst>
+                    </p:cTn>
+                  </p:par>
+                  <p:par>
+                    <p:cTn id="11" fill="hold">
+                      <p:stCondLst>
+                        <p:cond delay="indefinite"/>
+                      </p:stCondLst>
+                      <p:childTnLst>
+                        <p:par>
+                          <p:cTn id="12" fill="hold">
+                            <p:stCondLst>
+                              <p:cond delay="0"/>
+                            </p:stCondLst>
+                            <p:childTnLst>
+                              <p:par>
+                                <p:cTn id="13" presetID="1" presetClass="entr" presetSubtype="0" fill="hold" nodeType="clickEffect">
+                                  <p:stCondLst>
+                                    <p:cond delay="0"/>
+                                  </p:stCondLst>
+                                  <p:childTnLst>
+                                    <p:set>
+                                      <p:cBhvr>
+                                        <p:cTn id="14" dur="1" fill="hold">
+                                          <p:stCondLst>
+                                            <p:cond delay="0"/>
+                                          </p:stCondLst>
+                                        </p:cTn>
+                                        <p:tgtEl>
+                                          <p:spTgt spid="6"/>
+                                        </p:tgtEl>
+                                        <p:attrNameLst>
+                                          <p:attrName>style.visibility</p:attrName>
+                                        </p:attrNameLst>
+                                      </p:cBhvr>
+                                      <p:to>
+                                        <p:strVal val="visible"/>
+                                      </p:to>
+                                    </p:set>
+                                  </p:childTnLst>
+                                </p:cTn>
+                              </p:par>
+                            </p:childTnLst>
+                          </p:cTn>
+                        </p:par>
+                      </p:childTnLst>
+                    </p:cTn>
+                  </p:par>
+                  <p:par>
+                    <p:cTn id="15" fill="hold">
+                      <p:stCondLst>
+                        <p:cond delay="indefinite"/>
+                      </p:stCondLst>
+                      <p:childTnLst>
+                        <p:par>
+                          <p:cTn id="16" fill="hold">
+                            <p:stCondLst>
+                              <p:cond delay="0"/>
+                            </p:stCondLst>
+                            <p:childTnLst>
+                              <p:par>
+                                <p:cTn id="17" presetID="1" presetClass="entr" presetSubtype="0" fill="hold" nodeType="clickEffect">
+                                  <p:stCondLst>
+                                    <p:cond delay="0"/>
+                                  </p:stCondLst>
+                                  <p:childTnLst>
+                                    <p:set>
+                                      <p:cBhvr>
+                                        <p:cTn id="18" dur="1" fill="hold">
+                                          <p:stCondLst>
+                                            <p:cond delay="0"/>
+                                          </p:stCondLst>
+                                        </p:cTn>
+                                        <p:tgtEl>
+                                          <p:spTgt spid="10"/>
+                                        </p:tgtEl>
+                                        <p:attrNameLst>
+                                          <p:attrName>style.visibility</p:attrName>
+                                        </p:attrNameLst>
+                                      </p:cBhvr>
+                                      <p:to>
+                                        <p:strVal val="visible"/>
+                                      </p:to>
+                                    </p:set>
+                                  </p:childTnLst>
+                                </p:cTn>
+                              </p:par>
+                            </p:childTnLst>
+                          </p:cTn>
+                        </p:par>
+                      </p:childTnLst>
+                    </p:cTn>
+                  </p:par>
+                  <p:par>
+                    <p:cTn id="19" fill="hold">
+                      <p:stCondLst>
+                        <p:cond delay="indefinite"/>
+                      </p:stCondLst>
+                      <p:childTnLst>
+                        <p:par>
+                          <p:cTn id="20" fill="hold">
+                            <p:stCondLst>
+                              <p:cond delay="0"/>
+                            </p:stCondLst>
+                            <p:childTnLst>
+                              <p:par>
+                                <p:cTn id="21" presetID="1" presetClass="entr" presetSubtype="0" fill="hold" nodeType="clickEffect">
+                                  <p:stCondLst>
+                                    <p:cond delay="0"/>
+                                  </p:stCondLst>
+                                  <p:childTnLst>
+                                    <p:set>
+                                      <p:cBhvr>
+                                        <p:cTn id="22" dur="1" fill="hold">
+                                          <p:stCondLst>
+                                            <p:cond delay="0"/>
+                                          </p:stCondLst>
+                                        </p:cTn>
+                                        <p:tgtEl>
+                                          <p:spTgt spid="12"/>
+                                        </p:tgtEl>
+                                        <p:attrNameLst>
+                                          <p:attrName>style.visibility</p:attrName>
+                                        </p:attrNameLst>
+                                      </p:cBhvr>
+                                      <p:to>
+                                        <p:strVal val="visible"/>
+                                      </p:to>
+                                    </p:set>
+                                  </p:childTnLst>
+                                </p:cTn>
+                              </p:par>
+                            </p:childTnLst>
+                          </p:cTn>
+                        </p:par>
+                      </p:childTnLst>
+                    </p:cTn>
+                  </p:par>
+                  <p:par>
+                    <p:cTn id="23" fill="hold">
+                      <p:stCondLst>
+                        <p:cond delay="indefinite"/>
+                      </p:stCondLst>
+                      <p:childTnLst>
+                        <p:par>
+                          <p:cTn id="24" fill="hold">
+                            <p:stCondLst>
+                              <p:cond delay="0"/>
+                            </p:stCondLst>
+                            <p:childTnLst>
+                              <p:par>
+                                <p:cTn id="25" presetID="10" presetClass="exit" presetSubtype="0" fill="hold" nodeType="clickEffect">
+                                  <p:stCondLst>
+                                    <p:cond delay="0"/>
+                                  </p:stCondLst>
+                                  <p:childTnLst>
+                                    <p:animEffect transition="out" filter="fade">
+                                      <p:cBhvr>
+                                        <p:cTn id="26" dur="500"/>
+                                        <p:tgtEl>
+                                          <p:spTgt spid="12"/>
+                                        </p:tgtEl>
+                                      </p:cBhvr>
+                                    </p:animEffect>
+                                    <p:set>
+                                      <p:cBhvr>
+                                        <p:cTn id="27" dur="1" fill="hold">
+                                          <p:stCondLst>
+                                            <p:cond delay="499"/>
+                                          </p:stCondLst>
+                                        </p:cTn>
+                                        <p:tgtEl>
+                                          <p:spTgt spid="12"/>
+                                        </p:tgtEl>
+                                        <p:attrNameLst>
+                                          <p:attrName>style.visibility</p:attrName>
+                                        </p:attrNameLst>
+                                      </p:cBhvr>
+                                      <p:to>
+                                        <p:strVal val="hidden"/>
+                                      </p:to>
+                                    </p:set>
+                                  </p:childTnLst>
+                                </p:cTn>
+                              </p:par>
+                            </p:childTnLst>
+                          </p:cTn>
+                        </p:par>
+                      </p:childTnLst>
+                    </p:cTn>
+                  </p:par>
+                  <p:par>
+                    <p:cTn id="28" fill="hold">
+                      <p:stCondLst>
+                        <p:cond delay="indefinite"/>
+                      </p:stCondLst>
+                      <p:childTnLst>
+                        <p:par>
+                          <p:cTn id="29" fill="hold">
+                            <p:stCondLst>
+                              <p:cond delay="0"/>
+                            </p:stCondLst>
+                            <p:childTnLst>
+                              <p:par>
+                                <p:cTn id="30" presetID="10" presetClass="exit" presetSubtype="0" fill="hold" nodeType="clickEffect">
+                                  <p:stCondLst>
+                                    <p:cond delay="0"/>
+                                  </p:stCondLst>
+                                  <p:childTnLst>
+                                    <p:animEffect transition="out" filter="fade">
+                                      <p:cBhvr>
+                                        <p:cTn id="31" dur="500"/>
+                                        <p:tgtEl>
+                                          <p:spTgt spid="8"/>
+                                        </p:tgtEl>
+                                      </p:cBhvr>
+                                    </p:animEffect>
+                                    <p:set>
+                                      <p:cBhvr>
+                                        <p:cTn id="32" dur="1" fill="hold">
+                                          <p:stCondLst>
+                                            <p:cond delay="499"/>
+                                          </p:stCondLst>
+                                        </p:cTn>
+                                        <p:tgtEl>
+                                          <p:spTgt spid="8"/>
+                                        </p:tgtEl>
+                                        <p:attrNameLst>
+                                          <p:attrName>style.visibility</p:attrName>
+                                        </p:attrNameLst>
+                                      </p:cBhvr>
+                                      <p:to>
+                                        <p:strVal val="hidden"/>
+                                      </p:to>
+                                    </p:set>
+                                  </p:childTnLst>
+                                </p:cTn>
+                              </p:par>
+                            </p:childTnLst>
+                          </p:cTn>
+                        </p:par>
+                      </p:childTnLst>
+                    </p:cTn>
+                  </p:par>
+                  <p:par>
+                    <p:cTn id="33" fill="hold">
+                      <p:stCondLst>
+                        <p:cond delay="indefinite"/>
+                      </p:stCondLst>
+                      <p:childTnLst>
+                        <p:par>
+                          <p:cTn id="34" fill="hold">
+                            <p:stCondLst>
+                              <p:cond delay="0"/>
+                            </p:stCondLst>
+                            <p:childTnLst>
+                              <p:par>
+                                <p:cTn id="35" presetID="10" presetClass="exit" presetSubtype="0" fill="hold" nodeType="clickEffect">
+                                  <p:stCondLst>
+                                    <p:cond delay="0"/>
+                                  </p:stCondLst>
+                                  <p:childTnLst>
+                                    <p:animEffect transition="out" filter="fade">
+                                      <p:cBhvr>
+                                        <p:cTn id="36" dur="500"/>
+                                        <p:tgtEl>
+                                          <p:spTgt spid="6"/>
+                                        </p:tgtEl>
+                                      </p:cBhvr>
+                                    </p:animEffect>
+                                    <p:set>
+                                      <p:cBhvr>
+                                        <p:cTn id="37" dur="1" fill="hold">
+                                          <p:stCondLst>
+                                            <p:cond delay="499"/>
+                                          </p:stCondLst>
+                                        </p:cTn>
+                                        <p:tgtEl>
+                                          <p:spTgt spid="6"/>
+                                        </p:tgtEl>
+                                        <p:attrNameLst>
+                                          <p:attrName>style.visibility</p:attrName>
+                                        </p:attrNameLst>
+                                      </p:cBhvr>
+                                      <p:to>
+                                        <p:strVal val="hidden"/>
+                                      </p:to>
+                                    </p:set>
+                                  </p:childTnLst>
+                                </p:cTn>
+                              </p:par>
+                            </p:childTnLst>
+                          </p:cTn>
+                        </p:par>
+                      </p:childTnLst>
+                    </p:cTn>
+                  </p:par>
+                </p:childTnLst>
+              </p:cTn>
+              <p:prevCondLst>
+                <p:cond evt="onPrev" delay="0">
+                  <p:tgtEl>
+                    <p:sldTgt/>
+                  </p:tgtEl>
+                </p:cond>
+              </p:prevCondLst>
+              <p:nextCondLst>
+                <p:cond evt="onNext" delay="0">
+                  <p:tgtEl>
+                    <p:sldTgt/>
+                  </p:tgtEl>
+                </p:cond>
+              </p:nextCondLst>
+            </p:seq>
+          </p:childTnLst>
+        </p:cTn>
+      </p:par>
+    </p:tnLst>
+  </p:timing>
 </p:sld>
 </file>
 
@@ -14296,6 +15060,89 @@
       </p:grpSpPr>
       <p:sp>
         <p:nvSpPr>
+          <p:cNvPr id="2" name="Título 1">
+            <a:extLst>
+              <a:ext uri="{FF2B5EF4-FFF2-40B4-BE49-F238E27FC236}">
+                <a16:creationId xmlns:a16="http://schemas.microsoft.com/office/drawing/2014/main" id="{2B837A76-9495-4084-936B-33F512F8608A}"/>
+              </a:ext>
+            </a:extLst>
+          </p:cNvPr>
+          <p:cNvSpPr>
+            <a:spLocks noGrp="1"/>
+          </p:cNvSpPr>
+          <p:nvPr>
+            <p:ph type="title"/>
+          </p:nvPr>
+        </p:nvSpPr>
+        <p:spPr/>
+        <p:txBody>
+          <a:bodyPr/>
+          <a:lstStyle/>
+          <a:p>
+            <a:r>
+              <a:rPr lang="es-ES" dirty="0"/>
+              <a:t>Conclusiones</a:t>
+            </a:r>
+          </a:p>
+        </p:txBody>
+      </p:sp>
+      <p:sp>
+        <p:nvSpPr>
+          <p:cNvPr id="3" name="Marcador de texto 2">
+            <a:extLst>
+              <a:ext uri="{FF2B5EF4-FFF2-40B4-BE49-F238E27FC236}">
+                <a16:creationId xmlns:a16="http://schemas.microsoft.com/office/drawing/2014/main" id="{0758C744-FF3C-4F8D-90A8-A6B22B800CA0}"/>
+              </a:ext>
+            </a:extLst>
+          </p:cNvPr>
+          <p:cNvSpPr>
+            <a:spLocks noGrp="1"/>
+          </p:cNvSpPr>
+          <p:nvPr>
+            <p:ph type="body" idx="1"/>
+          </p:nvPr>
+        </p:nvSpPr>
+        <p:spPr/>
+        <p:txBody>
+          <a:bodyPr/>
+          <a:lstStyle/>
+          <a:p>
+            <a:endParaRPr lang="es-ES"/>
+          </a:p>
+        </p:txBody>
+      </p:sp>
+    </p:spTree>
+    <p:extLst>
+      <p:ext uri="{BB962C8B-B14F-4D97-AF65-F5344CB8AC3E}">
+        <p14:creationId xmlns:p14="http://schemas.microsoft.com/office/powerpoint/2010/main" val="127290205"/>
+      </p:ext>
+    </p:extLst>
+  </p:cSld>
+  <p:clrMapOvr>
+    <a:masterClrMapping/>
+  </p:clrMapOvr>
+</p:sld>
+</file>
+
+<file path=ppt/slides/slide15.xml><?xml version="1.0" encoding="utf-8"?>
+<p:sld xmlns:a="http://schemas.openxmlformats.org/drawingml/2006/main" xmlns:r="http://schemas.openxmlformats.org/officeDocument/2006/relationships" xmlns:p="http://schemas.openxmlformats.org/presentationml/2006/main">
+  <p:cSld>
+    <p:spTree>
+      <p:nvGrpSpPr>
+        <p:cNvPr id="1" name=""/>
+        <p:cNvGrpSpPr/>
+        <p:nvPr/>
+      </p:nvGrpSpPr>
+      <p:grpSpPr>
+        <a:xfrm>
+          <a:off x="0" y="0"/>
+          <a:ext cx="0" cy="0"/>
+          <a:chOff x="0" y="0"/>
+          <a:chExt cx="0" cy="0"/>
+        </a:xfrm>
+      </p:grpSpPr>
+      <p:sp>
+        <p:nvSpPr>
           <p:cNvPr id="69" name="Título 68">
             <a:extLst>
               <a:ext uri="{FF2B5EF4-FFF2-40B4-BE49-F238E27FC236}">
@@ -14310,7 +15157,12 @@
             <p:ph type="title"/>
           </p:nvPr>
         </p:nvSpPr>
-        <p:spPr/>
+        <p:spPr>
+          <a:xfrm>
+            <a:off x="2096342" y="1513114"/>
+            <a:ext cx="7999315" cy="2323374"/>
+          </a:xfrm>
+        </p:spPr>
         <p:txBody>
           <a:bodyPr/>
           <a:lstStyle/>
@@ -14687,7 +15539,7 @@
 </p:sld>
 </file>
 
-<file path=ppt/slides/slide15.xml><?xml version="1.0" encoding="utf-8"?>
+<file path=ppt/slides/slide16.xml><?xml version="1.0" encoding="utf-8"?>
 <p:sld xmlns:a="http://schemas.openxmlformats.org/drawingml/2006/main" xmlns:r="http://schemas.openxmlformats.org/officeDocument/2006/relationships" xmlns:p="http://schemas.openxmlformats.org/presentationml/2006/main">
   <p:cSld>
     <p:spTree>
@@ -20174,7 +21026,7 @@
         <p:spPr>
           <a:xfrm>
             <a:off x="646109" y="3794503"/>
-            <a:ext cx="5449889" cy="2238904"/>
+            <a:ext cx="5449889" cy="2745090"/>
           </a:xfrm>
         </p:spPr>
         <p:txBody>
@@ -20275,6 +21127,15 @@
               <a:rPr lang="es-ES" dirty="0"/>
               <a:t>	- MLP</a:t>
             </a:r>
+          </a:p>
+          <a:p>
+            <a:r>
+              <a:rPr lang="es-ES" dirty="0"/>
+              <a:t>	- RNN	</a:t>
+            </a:r>
+          </a:p>
+          <a:p>
+            <a:endParaRPr lang="es-ES" dirty="0"/>
           </a:p>
         </p:txBody>
       </p:sp>
@@ -20647,7 +21508,7 @@
                                       <p:cBhvr>
                                         <p:cTn id="26" dur="1" fill="hold">
                                           <p:stCondLst>
-                                            <p:cond delay="0"/>
+                                            <p:cond delay="9"/>
                                           </p:stCondLst>
                                         </p:cTn>
                                         <p:tgtEl>
@@ -21013,6 +21874,55 @@
                       </p:childTnLst>
                     </p:cTn>
                   </p:par>
+                  <p:par>
+                    <p:cTn id="55" fill="hold">
+                      <p:stCondLst>
+                        <p:cond delay="indefinite"/>
+                      </p:stCondLst>
+                      <p:childTnLst>
+                        <p:par>
+                          <p:cTn id="56" fill="hold">
+                            <p:stCondLst>
+                              <p:cond delay="0"/>
+                            </p:stCondLst>
+                            <p:childTnLst>
+                              <p:par>
+                                <p:cTn id="57" presetID="1" presetClass="entr" presetSubtype="0" fill="hold" grpId="0" nodeType="clickEffect">
+                                  <p:stCondLst>
+                                    <p:cond delay="0"/>
+                                  </p:stCondLst>
+                                  <p:childTnLst>
+                                    <p:set>
+                                      <p:cBhvr>
+                                        <p:cTn id="58" dur="1" fill="hold">
+                                          <p:stCondLst>
+                                            <p:cond delay="0"/>
+                                          </p:stCondLst>
+                                        </p:cTn>
+                                        <p:tgtEl>
+                                          <p:spTgt spid="7">
+                                            <p:txEl>
+                                              <p:pRg st="6" end="6"/>
+                                            </p:txEl>
+                                          </p:spTgt>
+                                        </p:tgtEl>
+                                        <p:attrNameLst>
+                                          <p:attrName>style.visibility</p:attrName>
+                                        </p:attrNameLst>
+                                      </p:cBhvr>
+                                      <p:to>
+                                        <p:strVal val="visible"/>
+                                      </p:to>
+                                    </p:set>
+                                  </p:childTnLst>
+                                </p:cTn>
+                              </p:par>
+                            </p:childTnLst>
+                          </p:cTn>
+                        </p:par>
+                      </p:childTnLst>
+                    </p:cTn>
+                  </p:par>
                 </p:childTnLst>
               </p:cTn>
               <p:prevCondLst>
@@ -21094,65 +22004,6 @@
       </p:sp>
       <p:sp>
         <p:nvSpPr>
-          <p:cNvPr id="3" name="Marcador de texto 2">
-            <a:extLst>
-              <a:ext uri="{FF2B5EF4-FFF2-40B4-BE49-F238E27FC236}">
-                <a16:creationId xmlns:a16="http://schemas.microsoft.com/office/drawing/2014/main" id="{D470E66C-CCB7-406B-ACAE-BBC09130EF05}"/>
-              </a:ext>
-            </a:extLst>
-          </p:cNvPr>
-          <p:cNvSpPr>
-            <a:spLocks noGrp="1"/>
-          </p:cNvSpPr>
-          <p:nvPr>
-            <p:ph type="body" sz="quarter" idx="11"/>
-          </p:nvPr>
-        </p:nvSpPr>
-        <p:spPr>
-          <a:xfrm>
-            <a:off x="646110" y="2245153"/>
-            <a:ext cx="5449889" cy="2310517"/>
-          </a:xfrm>
-        </p:spPr>
-        <p:txBody>
-          <a:bodyPr/>
-          <a:lstStyle/>
-          <a:p>
-            <a:r>
-              <a:rPr lang="es-ES" dirty="0"/>
-              <a:t>Algoritmo de Machine </a:t>
-            </a:r>
-            <a:r>
-              <a:rPr lang="es-ES" dirty="0" err="1"/>
-              <a:t>Learning</a:t>
-            </a:r>
-            <a:r>
-              <a:rPr lang="es-ES" dirty="0"/>
-              <a:t> que se basa en la agrupación de varios árboles de decisión.</a:t>
-            </a:r>
-          </a:p>
-          <a:p>
-            <a:r>
-              <a:rPr lang="es-ES" dirty="0"/>
-              <a:t>Durante el entrenamiento el algoritmo va tomando decisiones con la intención de disminuir la entropía.</a:t>
-            </a:r>
-          </a:p>
-          <a:p>
-            <a:r>
-              <a:rPr lang="es-ES" dirty="0"/>
-              <a:t>La entropía nos indica el grado de desorden de un sistema, por lo que si conseguimos disminuirla, estaremos dándole cierto orden en nuestro sistema.</a:t>
-            </a:r>
-          </a:p>
-          <a:p>
-            <a:r>
-              <a:rPr lang="es-ES" dirty="0"/>
-              <a:t>En cada paso de entrenamiento el algoritmo escoge de forma aleatoria tanto las variables para entrenar y como la porción del set de datos con el que va a utilizar para dicho paso de entrenamiento.</a:t>
-            </a:r>
-          </a:p>
-        </p:txBody>
-      </p:sp>
-      <p:sp>
-        <p:nvSpPr>
           <p:cNvPr id="8" name="Marcador de texto 7">
             <a:extLst>
               <a:ext uri="{FF2B5EF4-FFF2-40B4-BE49-F238E27FC236}">
@@ -21177,61 +22028,11 @@
           <a:bodyPr/>
           <a:lstStyle/>
           <a:p>
+            <a:pPr algn="ctr"/>
             <a:r>
               <a:rPr lang="es-ES" dirty="0"/>
               <a:t>XGBOOST REGRESSOR</a:t>
             </a:r>
-          </a:p>
-        </p:txBody>
-      </p:sp>
-      <p:sp>
-        <p:nvSpPr>
-          <p:cNvPr id="9" name="Marcador de texto 8">
-            <a:extLst>
-              <a:ext uri="{FF2B5EF4-FFF2-40B4-BE49-F238E27FC236}">
-                <a16:creationId xmlns:a16="http://schemas.microsoft.com/office/drawing/2014/main" id="{B924B425-59D1-4240-8822-75FD14FB35FE}"/>
-              </a:ext>
-            </a:extLst>
-          </p:cNvPr>
-          <p:cNvSpPr>
-            <a:spLocks noGrp="1"/>
-          </p:cNvSpPr>
-          <p:nvPr>
-            <p:ph type="body" sz="quarter" idx="17"/>
-          </p:nvPr>
-        </p:nvSpPr>
-        <p:spPr>
-          <a:xfrm>
-            <a:off x="6362263" y="2245154"/>
-            <a:ext cx="5183625" cy="2204382"/>
-          </a:xfrm>
-        </p:spPr>
-        <p:txBody>
-          <a:bodyPr/>
-          <a:lstStyle/>
-          <a:p>
-            <a:r>
-              <a:rPr lang="es-ES" dirty="0"/>
-              <a:t>Es un algoritmo de paralelización  basado en árboles de decisión y en modelo lineales.</a:t>
-            </a:r>
-          </a:p>
-          <a:p>
-            <a:r>
-              <a:rPr lang="es-ES" dirty="0"/>
-              <a:t>Trata de disminuir la función de perdida mediante el gradiente descendiente.</a:t>
-            </a:r>
-          </a:p>
-          <a:p>
-            <a:r>
-              <a:rPr lang="es-ES" dirty="0"/>
-              <a:t>Destaca por su velocidad y rendimiento, ya que es capaz de paralelizar los cálculos en una misma máquina.</a:t>
-            </a:r>
-          </a:p>
-          <a:p>
-            <a:endParaRPr lang="es-ES" dirty="0"/>
-          </a:p>
-          <a:p>
-            <a:endParaRPr lang="es-ES" dirty="0"/>
           </a:p>
         </p:txBody>
       </p:sp>
@@ -21285,38 +22086,8 @@
         </p:blipFill>
         <p:spPr>
           <a:xfrm>
-            <a:off x="8604269" y="291802"/>
+            <a:off x="7012233" y="2046552"/>
             <a:ext cx="3207883" cy="2348511"/>
-          </a:xfrm>
-          <a:prstGeom prst="rect">
-            <a:avLst/>
-          </a:prstGeom>
-        </p:spPr>
-      </p:pic>
-      <p:pic>
-        <p:nvPicPr>
-          <p:cNvPr id="7" name="Imagen 6" descr="Gráfico&#10;&#10;Descripción generada automáticamente">
-            <a:extLst>
-              <a:ext uri="{FF2B5EF4-FFF2-40B4-BE49-F238E27FC236}">
-                <a16:creationId xmlns:a16="http://schemas.microsoft.com/office/drawing/2014/main" id="{71985F7B-5A4B-4A8C-A82A-EAA65FBF2D99}"/>
-              </a:ext>
-            </a:extLst>
-          </p:cNvPr>
-          <p:cNvPicPr>
-            <a:picLocks noChangeAspect="1"/>
-          </p:cNvPicPr>
-          <p:nvPr/>
-        </p:nvPicPr>
-        <p:blipFill>
-          <a:blip r:embed="rId3"/>
-          <a:stretch>
-            <a:fillRect/>
-          </a:stretch>
-        </p:blipFill>
-        <p:spPr>
-          <a:xfrm>
-            <a:off x="7264745" y="3931479"/>
-            <a:ext cx="3192091" cy="2482737"/>
           </a:xfrm>
           <a:prstGeom prst="rect">
             <a:avLst/>
@@ -21338,14 +22109,14 @@
           <p:nvPr/>
         </p:nvPicPr>
         <p:blipFill>
-          <a:blip r:embed="rId4"/>
+          <a:blip r:embed="rId3"/>
           <a:stretch>
             <a:fillRect/>
           </a:stretch>
         </p:blipFill>
         <p:spPr>
           <a:xfrm>
-            <a:off x="6461319" y="291802"/>
+            <a:off x="6288784" y="259414"/>
             <a:ext cx="5449889" cy="6406015"/>
           </a:xfrm>
           <a:prstGeom prst="rect">
@@ -21368,6 +22139,36 @@
           <p:nvPr/>
         </p:nvPicPr>
         <p:blipFill>
+          <a:blip r:embed="rId4"/>
+          <a:stretch>
+            <a:fillRect/>
+          </a:stretch>
+        </p:blipFill>
+        <p:spPr>
+          <a:xfrm>
+            <a:off x="178319" y="2014164"/>
+            <a:ext cx="6014951" cy="4584422"/>
+          </a:xfrm>
+          <a:prstGeom prst="rect">
+            <a:avLst/>
+          </a:prstGeom>
+        </p:spPr>
+      </p:pic>
+      <p:pic>
+        <p:nvPicPr>
+          <p:cNvPr id="16" name="Imagen 15" descr="Gráfico, Gráfico de superficie&#10;&#10;Descripción generada automáticamente">
+            <a:extLst>
+              <a:ext uri="{FF2B5EF4-FFF2-40B4-BE49-F238E27FC236}">
+                <a16:creationId xmlns:a16="http://schemas.microsoft.com/office/drawing/2014/main" id="{7B05938E-83F4-4567-8A0F-6F1F833852EB}"/>
+              </a:ext>
+            </a:extLst>
+          </p:cNvPr>
+          <p:cNvPicPr>
+            <a:picLocks noChangeAspect="1"/>
+          </p:cNvPicPr>
+          <p:nvPr/>
+        </p:nvPicPr>
+        <p:blipFill>
           <a:blip r:embed="rId5"/>
           <a:stretch>
             <a:fillRect/>
@@ -21375,8 +22176,8 @@
         </p:blipFill>
         <p:spPr>
           <a:xfrm>
-            <a:off x="180114" y="1963892"/>
-            <a:ext cx="6211105" cy="4733925"/>
+            <a:off x="6662057" y="4508046"/>
+            <a:ext cx="4191000" cy="3181350"/>
           </a:xfrm>
           <a:prstGeom prst="rect">
             <a:avLst/>
@@ -21476,11 +22277,7 @@
                                           </p:stCondLst>
                                         </p:cTn>
                                         <p:tgtEl>
-                                          <p:spTgt spid="3">
-                                            <p:txEl>
-                                              <p:pRg st="0" end="0"/>
-                                            </p:txEl>
-                                          </p:spTgt>
+                                          <p:spTgt spid="6"/>
                                         </p:tgtEl>
                                         <p:attrNameLst>
                                           <p:attrName>style.visibility</p:attrName>
@@ -21512,7 +22309,7 @@
                             </p:stCondLst>
                             <p:childTnLst>
                               <p:par>
-                                <p:cTn id="13" presetID="1" presetClass="entr" presetSubtype="0" fill="hold" nodeType="clickEffect">
+                                <p:cTn id="13" presetID="1" presetClass="entr" presetSubtype="0" fill="hold" grpId="0" nodeType="clickEffect">
                                   <p:stCondLst>
                                     <p:cond delay="0"/>
                                   </p:stCondLst>
@@ -21525,9 +22322,9 @@
                                           </p:stCondLst>
                                         </p:cTn>
                                         <p:tgtEl>
-                                          <p:spTgt spid="3">
+                                          <p:spTgt spid="8">
                                             <p:txEl>
-                                              <p:pRg st="1" end="1"/>
+                                              <p:pRg st="0" end="0"/>
                                             </p:txEl>
                                           </p:spTgt>
                                         </p:tgtEl>
@@ -21574,11 +22371,7 @@
                                           </p:stCondLst>
                                         </p:cTn>
                                         <p:tgtEl>
-                                          <p:spTgt spid="3">
-                                            <p:txEl>
-                                              <p:pRg st="2" end="2"/>
-                                            </p:txEl>
-                                          </p:spTgt>
+                                          <p:spTgt spid="5"/>
                                         </p:tgtEl>
                                         <p:attrNameLst>
                                           <p:attrName>style.visibility</p:attrName>
@@ -21623,11 +22416,7 @@
                                           </p:stCondLst>
                                         </p:cTn>
                                         <p:tgtEl>
-                                          <p:spTgt spid="3">
-                                            <p:txEl>
-                                              <p:pRg st="3" end="3"/>
-                                            </p:txEl>
-                                          </p:spTgt>
+                                          <p:spTgt spid="16"/>
                                         </p:tgtEl>
                                         <p:attrNameLst>
                                           <p:attrName>style.visibility</p:attrName>
@@ -21659,7 +22448,7 @@
                             </p:stCondLst>
                             <p:childTnLst>
                               <p:par>
-                                <p:cTn id="25" presetID="1" presetClass="entr" presetSubtype="0" fill="hold" nodeType="clickEffect">
+                                <p:cTn id="25" presetID="1" presetClass="exit" presetSubtype="0" fill="hold" nodeType="clickEffect">
                                   <p:stCondLst>
                                     <p:cond delay="0"/>
                                   </p:stCondLst>
@@ -21672,14 +22461,14 @@
                                           </p:stCondLst>
                                         </p:cTn>
                                         <p:tgtEl>
-                                          <p:spTgt spid="6"/>
+                                          <p:spTgt spid="16"/>
                                         </p:tgtEl>
                                         <p:attrNameLst>
                                           <p:attrName>style.visibility</p:attrName>
                                         </p:attrNameLst>
                                       </p:cBhvr>
                                       <p:to>
-                                        <p:strVal val="visible"/>
+                                        <p:strVal val="hidden"/>
                                       </p:to>
                                     </p:set>
                                   </p:childTnLst>
@@ -21704,7 +22493,7 @@
                             </p:stCondLst>
                             <p:childTnLst>
                               <p:par>
-                                <p:cTn id="29" presetID="1" presetClass="entr" presetSubtype="0" fill="hold" grpId="0" nodeType="clickEffect">
+                                <p:cTn id="29" presetID="1" presetClass="entr" presetSubtype="0" fill="hold" nodeType="clickEffect">
                                   <p:stCondLst>
                                     <p:cond delay="0"/>
                                   </p:stCondLst>
@@ -21712,292 +22501,6 @@
                                     <p:set>
                                       <p:cBhvr>
                                         <p:cTn id="30" dur="1" fill="hold">
-                                          <p:stCondLst>
-                                            <p:cond delay="0"/>
-                                          </p:stCondLst>
-                                        </p:cTn>
-                                        <p:tgtEl>
-                                          <p:spTgt spid="8">
-                                            <p:txEl>
-                                              <p:pRg st="0" end="0"/>
-                                            </p:txEl>
-                                          </p:spTgt>
-                                        </p:tgtEl>
-                                        <p:attrNameLst>
-                                          <p:attrName>style.visibility</p:attrName>
-                                        </p:attrNameLst>
-                                      </p:cBhvr>
-                                      <p:to>
-                                        <p:strVal val="visible"/>
-                                      </p:to>
-                                    </p:set>
-                                  </p:childTnLst>
-                                </p:cTn>
-                              </p:par>
-                            </p:childTnLst>
-                          </p:cTn>
-                        </p:par>
-                      </p:childTnLst>
-                    </p:cTn>
-                  </p:par>
-                  <p:par>
-                    <p:cTn id="31" fill="hold">
-                      <p:stCondLst>
-                        <p:cond delay="indefinite"/>
-                      </p:stCondLst>
-                      <p:childTnLst>
-                        <p:par>
-                          <p:cTn id="32" fill="hold">
-                            <p:stCondLst>
-                              <p:cond delay="0"/>
-                            </p:stCondLst>
-                            <p:childTnLst>
-                              <p:par>
-                                <p:cTn id="33" presetID="1" presetClass="entr" presetSubtype="0" fill="hold" nodeType="clickEffect">
-                                  <p:stCondLst>
-                                    <p:cond delay="0"/>
-                                  </p:stCondLst>
-                                  <p:childTnLst>
-                                    <p:set>
-                                      <p:cBhvr>
-                                        <p:cTn id="34" dur="1" fill="hold">
-                                          <p:stCondLst>
-                                            <p:cond delay="0"/>
-                                          </p:stCondLst>
-                                        </p:cTn>
-                                        <p:tgtEl>
-                                          <p:spTgt spid="9">
-                                            <p:txEl>
-                                              <p:pRg st="0" end="0"/>
-                                            </p:txEl>
-                                          </p:spTgt>
-                                        </p:tgtEl>
-                                        <p:attrNameLst>
-                                          <p:attrName>style.visibility</p:attrName>
-                                        </p:attrNameLst>
-                                      </p:cBhvr>
-                                      <p:to>
-                                        <p:strVal val="visible"/>
-                                      </p:to>
-                                    </p:set>
-                                  </p:childTnLst>
-                                </p:cTn>
-                              </p:par>
-                            </p:childTnLst>
-                          </p:cTn>
-                        </p:par>
-                      </p:childTnLst>
-                    </p:cTn>
-                  </p:par>
-                  <p:par>
-                    <p:cTn id="35" fill="hold">
-                      <p:stCondLst>
-                        <p:cond delay="indefinite"/>
-                      </p:stCondLst>
-                      <p:childTnLst>
-                        <p:par>
-                          <p:cTn id="36" fill="hold">
-                            <p:stCondLst>
-                              <p:cond delay="0"/>
-                            </p:stCondLst>
-                            <p:childTnLst>
-                              <p:par>
-                                <p:cTn id="37" presetID="1" presetClass="entr" presetSubtype="0" fill="hold" nodeType="clickEffect">
-                                  <p:stCondLst>
-                                    <p:cond delay="0"/>
-                                  </p:stCondLst>
-                                  <p:childTnLst>
-                                    <p:set>
-                                      <p:cBhvr>
-                                        <p:cTn id="38" dur="1" fill="hold">
-                                          <p:stCondLst>
-                                            <p:cond delay="0"/>
-                                          </p:stCondLst>
-                                        </p:cTn>
-                                        <p:tgtEl>
-                                          <p:spTgt spid="5"/>
-                                        </p:tgtEl>
-                                        <p:attrNameLst>
-                                          <p:attrName>style.visibility</p:attrName>
-                                        </p:attrNameLst>
-                                      </p:cBhvr>
-                                      <p:to>
-                                        <p:strVal val="visible"/>
-                                      </p:to>
-                                    </p:set>
-                                  </p:childTnLst>
-                                </p:cTn>
-                              </p:par>
-                            </p:childTnLst>
-                          </p:cTn>
-                        </p:par>
-                      </p:childTnLst>
-                    </p:cTn>
-                  </p:par>
-                  <p:par>
-                    <p:cTn id="39" fill="hold">
-                      <p:stCondLst>
-                        <p:cond delay="indefinite"/>
-                      </p:stCondLst>
-                      <p:childTnLst>
-                        <p:par>
-                          <p:cTn id="40" fill="hold">
-                            <p:stCondLst>
-                              <p:cond delay="0"/>
-                            </p:stCondLst>
-                            <p:childTnLst>
-                              <p:par>
-                                <p:cTn id="41" presetID="1" presetClass="entr" presetSubtype="0" fill="hold" nodeType="clickEffect">
-                                  <p:stCondLst>
-                                    <p:cond delay="0"/>
-                                  </p:stCondLst>
-                                  <p:childTnLst>
-                                    <p:set>
-                                      <p:cBhvr>
-                                        <p:cTn id="42" dur="1" fill="hold">
-                                          <p:stCondLst>
-                                            <p:cond delay="0"/>
-                                          </p:stCondLst>
-                                        </p:cTn>
-                                        <p:tgtEl>
-                                          <p:spTgt spid="9">
-                                            <p:txEl>
-                                              <p:pRg st="1" end="1"/>
-                                            </p:txEl>
-                                          </p:spTgt>
-                                        </p:tgtEl>
-                                        <p:attrNameLst>
-                                          <p:attrName>style.visibility</p:attrName>
-                                        </p:attrNameLst>
-                                      </p:cBhvr>
-                                      <p:to>
-                                        <p:strVal val="visible"/>
-                                      </p:to>
-                                    </p:set>
-                                  </p:childTnLst>
-                                </p:cTn>
-                              </p:par>
-                            </p:childTnLst>
-                          </p:cTn>
-                        </p:par>
-                      </p:childTnLst>
-                    </p:cTn>
-                  </p:par>
-                  <p:par>
-                    <p:cTn id="43" fill="hold">
-                      <p:stCondLst>
-                        <p:cond delay="indefinite"/>
-                      </p:stCondLst>
-                      <p:childTnLst>
-                        <p:par>
-                          <p:cTn id="44" fill="hold">
-                            <p:stCondLst>
-                              <p:cond delay="0"/>
-                            </p:stCondLst>
-                            <p:childTnLst>
-                              <p:par>
-                                <p:cTn id="45" presetID="1" presetClass="entr" presetSubtype="0" fill="hold" nodeType="clickEffect">
-                                  <p:stCondLst>
-                                    <p:cond delay="0"/>
-                                  </p:stCondLst>
-                                  <p:childTnLst>
-                                    <p:set>
-                                      <p:cBhvr>
-                                        <p:cTn id="46" dur="1" fill="hold">
-                                          <p:stCondLst>
-                                            <p:cond delay="0"/>
-                                          </p:stCondLst>
-                                        </p:cTn>
-                                        <p:tgtEl>
-                                          <p:spTgt spid="7"/>
-                                        </p:tgtEl>
-                                        <p:attrNameLst>
-                                          <p:attrName>style.visibility</p:attrName>
-                                        </p:attrNameLst>
-                                      </p:cBhvr>
-                                      <p:to>
-                                        <p:strVal val="visible"/>
-                                      </p:to>
-                                    </p:set>
-                                  </p:childTnLst>
-                                </p:cTn>
-                              </p:par>
-                            </p:childTnLst>
-                          </p:cTn>
-                        </p:par>
-                      </p:childTnLst>
-                    </p:cTn>
-                  </p:par>
-                  <p:par>
-                    <p:cTn id="47" fill="hold">
-                      <p:stCondLst>
-                        <p:cond delay="indefinite"/>
-                      </p:stCondLst>
-                      <p:childTnLst>
-                        <p:par>
-                          <p:cTn id="48" fill="hold">
-                            <p:stCondLst>
-                              <p:cond delay="0"/>
-                            </p:stCondLst>
-                            <p:childTnLst>
-                              <p:par>
-                                <p:cTn id="49" presetID="1" presetClass="entr" presetSubtype="0" fill="hold" nodeType="clickEffect">
-                                  <p:stCondLst>
-                                    <p:cond delay="0"/>
-                                  </p:stCondLst>
-                                  <p:childTnLst>
-                                    <p:set>
-                                      <p:cBhvr>
-                                        <p:cTn id="50" dur="1" fill="hold">
-                                          <p:stCondLst>
-                                            <p:cond delay="0"/>
-                                          </p:stCondLst>
-                                        </p:cTn>
-                                        <p:tgtEl>
-                                          <p:spTgt spid="9">
-                                            <p:txEl>
-                                              <p:pRg st="2" end="2"/>
-                                            </p:txEl>
-                                          </p:spTgt>
-                                        </p:tgtEl>
-                                        <p:attrNameLst>
-                                          <p:attrName>style.visibility</p:attrName>
-                                        </p:attrNameLst>
-                                      </p:cBhvr>
-                                      <p:to>
-                                        <p:strVal val="visible"/>
-                                      </p:to>
-                                    </p:set>
-                                  </p:childTnLst>
-                                </p:cTn>
-                              </p:par>
-                            </p:childTnLst>
-                          </p:cTn>
-                        </p:par>
-                      </p:childTnLst>
-                    </p:cTn>
-                  </p:par>
-                  <p:par>
-                    <p:cTn id="51" fill="hold">
-                      <p:stCondLst>
-                        <p:cond delay="indefinite"/>
-                      </p:stCondLst>
-                      <p:childTnLst>
-                        <p:par>
-                          <p:cTn id="52" fill="hold">
-                            <p:stCondLst>
-                              <p:cond delay="0"/>
-                            </p:stCondLst>
-                            <p:childTnLst>
-                              <p:par>
-                                <p:cTn id="53" presetID="1" presetClass="entr" presetSubtype="0" fill="hold" nodeType="clickEffect">
-                                  <p:stCondLst>
-                                    <p:cond delay="0"/>
-                                  </p:stCondLst>
-                                  <p:childTnLst>
-                                    <p:set>
-                                      <p:cBhvr>
-                                        <p:cTn id="54" dur="1" fill="hold">
                                           <p:stCondLst>
                                             <p:cond delay="0"/>
                                           </p:stCondLst>
@@ -23129,6 +23632,15 @@
 </file>
 
 <file path=customXml/item1.xml><?xml version="1.0" encoding="utf-8"?>
+<p:properties xmlns:p="http://schemas.microsoft.com/office/2006/metadata/properties" xmlns:xsi="http://www.w3.org/2001/XMLSchema-instance" xmlns:pc="http://schemas.microsoft.com/office/infopath/2007/PartnerControls">
+  <documentManagement>
+    <Status xmlns="71af3243-3dd4-4a8d-8c0d-dd76da1f02a5">Not started</Status>
+    <MediaServiceKeyPoints xmlns="71af3243-3dd4-4a8d-8c0d-dd76da1f02a5" xsi:nil="true"/>
+  </documentManagement>
+</p:properties>
+</file>
+
+<file path=customXml/item2.xml><?xml version="1.0" encoding="utf-8"?>
 <ct:contentTypeSchema xmlns:ct="http://schemas.microsoft.com/office/2006/metadata/contentType" xmlns:ma="http://schemas.microsoft.com/office/2006/metadata/properties/metaAttributes" ct:_="" ma:_="" ma:contentTypeName="Document" ma:contentTypeID="0x01010079F111ED35F8CC479449609E8A0923A6" ma:contentTypeVersion="12" ma:contentTypeDescription="Create a new document." ma:contentTypeScope="" ma:versionID="426e97fa315356fffbdcd9876fe988c2">
   <xsd:schema xmlns:xsd="http://www.w3.org/2001/XMLSchema" xmlns:xs="http://www.w3.org/2001/XMLSchema" xmlns:p="http://schemas.microsoft.com/office/2006/metadata/properties" xmlns:ns2="71af3243-3dd4-4a8d-8c0d-dd76da1f02a5" xmlns:ns3="16c05727-aa75-4e4a-9b5f-8a80a1165891" targetNamespace="http://schemas.microsoft.com/office/2006/metadata/properties" ma:root="true" ma:fieldsID="14b8f0def80e6d70ce3def20c90759ae" ns2:_="" ns3:_="">
     <xsd:import namespace="71af3243-3dd4-4a8d-8c0d-dd76da1f02a5"/>
@@ -23349,15 +23861,6 @@
 </ct:contentTypeSchema>
 </file>
 
-<file path=customXml/item2.xml><?xml version="1.0" encoding="utf-8"?>
-<p:properties xmlns:p="http://schemas.microsoft.com/office/2006/metadata/properties" xmlns:xsi="http://www.w3.org/2001/XMLSchema-instance" xmlns:pc="http://schemas.microsoft.com/office/infopath/2007/PartnerControls">
-  <documentManagement>
-    <Status xmlns="71af3243-3dd4-4a8d-8c0d-dd76da1f02a5">Not started</Status>
-    <MediaServiceKeyPoints xmlns="71af3243-3dd4-4a8d-8c0d-dd76da1f02a5" xsi:nil="true"/>
-  </documentManagement>
-</p:properties>
-</file>
-
 <file path=customXml/item3.xml><?xml version="1.0" encoding="utf-8"?>
 <?mso-contentType ?>
 <FormTemplates xmlns="http://schemas.microsoft.com/sharepoint/v3/contenttype/forms">
@@ -23368,6 +23871,16 @@
 </file>
 
 <file path=customXml/itemProps1.xml><?xml version="1.0" encoding="utf-8"?>
+<ds:datastoreItem xmlns:ds="http://schemas.openxmlformats.org/officeDocument/2006/customXml" ds:itemID="{B211B2B9-8CE5-4E5A-B70F-6B056FE844E8}">
+  <ds:schemaRefs>
+    <ds:schemaRef ds:uri="http://schemas.microsoft.com/office/2006/metadata/properties"/>
+    <ds:schemaRef ds:uri="http://schemas.microsoft.com/office/infopath/2007/PartnerControls"/>
+    <ds:schemaRef ds:uri="71af3243-3dd4-4a8d-8c0d-dd76da1f02a5"/>
+  </ds:schemaRefs>
+</ds:datastoreItem>
+</file>
+
+<file path=customXml/itemProps2.xml><?xml version="1.0" encoding="utf-8"?>
 <ds:datastoreItem xmlns:ds="http://schemas.openxmlformats.org/officeDocument/2006/customXml" ds:itemID="{5055BC56-8FA3-435B-ACDD-0E8E6241EF63}">
   <ds:schemaRefs>
     <ds:schemaRef ds:uri="http://schemas.microsoft.com/office/2006/metadata/contentType"/>
@@ -23386,16 +23899,6 @@
 </ds:datastoreItem>
 </file>
 
-<file path=customXml/itemProps2.xml><?xml version="1.0" encoding="utf-8"?>
-<ds:datastoreItem xmlns:ds="http://schemas.openxmlformats.org/officeDocument/2006/customXml" ds:itemID="{B211B2B9-8CE5-4E5A-B70F-6B056FE844E8}">
-  <ds:schemaRefs>
-    <ds:schemaRef ds:uri="http://schemas.microsoft.com/office/2006/metadata/properties"/>
-    <ds:schemaRef ds:uri="http://schemas.microsoft.com/office/infopath/2007/PartnerControls"/>
-    <ds:schemaRef ds:uri="71af3243-3dd4-4a8d-8c0d-dd76da1f02a5"/>
-  </ds:schemaRefs>
-</ds:datastoreItem>
-</file>
-
 <file path=customXml/itemProps3.xml><?xml version="1.0" encoding="utf-8"?>
 <ds:datastoreItem xmlns:ds="http://schemas.openxmlformats.org/officeDocument/2006/customXml" ds:itemID="{466BA265-3C9C-41FF-80C6-61A7F961C0DC}">
   <ds:schemaRefs>
